--- a/Presentation/legendary-system.pptx
+++ b/Presentation/legendary-system.pptx
@@ -9,8 +9,8 @@
     <p:sldId id="257" r:id="rId3"/>
     <p:sldId id="258" r:id="rId4"/>
     <p:sldId id="264" r:id="rId5"/>
-    <p:sldId id="265" r:id="rId6"/>
-    <p:sldId id="267" r:id="rId7"/>
+    <p:sldId id="269" r:id="rId6"/>
+    <p:sldId id="265" r:id="rId7"/>
     <p:sldId id="263" r:id="rId8"/>
     <p:sldId id="262" r:id="rId9"/>
     <p:sldId id="259" r:id="rId10"/>
@@ -270,7 +270,7 @@
           <a:p>
             <a:fld id="{57CA8ECA-34C5-41B2-BA9B-0F81DB07D56E}" type="datetimeFigureOut">
               <a:rPr lang="en-US" smtClean="0"/>
-              <a:t>9/11/2021</a:t>
+              <a:t>9/12/2021</a:t>
             </a:fld>
             <a:endParaRPr lang="en-US"/>
           </a:p>
@@ -502,7 +502,7 @@
           <a:p>
             <a:fld id="{57CA8ECA-34C5-41B2-BA9B-0F81DB07D56E}" type="datetimeFigureOut">
               <a:rPr lang="en-US" smtClean="0"/>
-              <a:t>9/11/2021</a:t>
+              <a:t>9/12/2021</a:t>
             </a:fld>
             <a:endParaRPr lang="en-US"/>
           </a:p>
@@ -744,7 +744,7 @@
           <a:p>
             <a:fld id="{57CA8ECA-34C5-41B2-BA9B-0F81DB07D56E}" type="datetimeFigureOut">
               <a:rPr lang="en-US" smtClean="0"/>
-              <a:t>9/11/2021</a:t>
+              <a:t>9/12/2021</a:t>
             </a:fld>
             <a:endParaRPr lang="en-US"/>
           </a:p>
@@ -976,7 +976,7 @@
           <a:p>
             <a:fld id="{57CA8ECA-34C5-41B2-BA9B-0F81DB07D56E}" type="datetimeFigureOut">
               <a:rPr lang="en-US" smtClean="0"/>
-              <a:t>9/11/2021</a:t>
+              <a:t>9/12/2021</a:t>
             </a:fld>
             <a:endParaRPr lang="en-US"/>
           </a:p>
@@ -1252,7 +1252,7 @@
           <a:p>
             <a:fld id="{57CA8ECA-34C5-41B2-BA9B-0F81DB07D56E}" type="datetimeFigureOut">
               <a:rPr lang="en-US" smtClean="0"/>
-              <a:t>9/11/2021</a:t>
+              <a:t>9/12/2021</a:t>
             </a:fld>
             <a:endParaRPr lang="en-US"/>
           </a:p>
@@ -1584,7 +1584,7 @@
           <a:p>
             <a:fld id="{57CA8ECA-34C5-41B2-BA9B-0F81DB07D56E}" type="datetimeFigureOut">
               <a:rPr lang="en-US" smtClean="0"/>
-              <a:t>9/11/2021</a:t>
+              <a:t>9/12/2021</a:t>
             </a:fld>
             <a:endParaRPr lang="en-US"/>
           </a:p>
@@ -2063,7 +2063,7 @@
           <a:p>
             <a:fld id="{57CA8ECA-34C5-41B2-BA9B-0F81DB07D56E}" type="datetimeFigureOut">
               <a:rPr lang="en-US" smtClean="0"/>
-              <a:t>9/11/2021</a:t>
+              <a:t>9/12/2021</a:t>
             </a:fld>
             <a:endParaRPr lang="en-US"/>
           </a:p>
@@ -2205,7 +2205,7 @@
           <a:p>
             <a:fld id="{57CA8ECA-34C5-41B2-BA9B-0F81DB07D56E}" type="datetimeFigureOut">
               <a:rPr lang="en-US" smtClean="0"/>
-              <a:t>9/11/2021</a:t>
+              <a:t>9/12/2021</a:t>
             </a:fld>
             <a:endParaRPr lang="en-US"/>
           </a:p>
@@ -2318,7 +2318,7 @@
           <a:p>
             <a:fld id="{57CA8ECA-34C5-41B2-BA9B-0F81DB07D56E}" type="datetimeFigureOut">
               <a:rPr lang="en-US" smtClean="0"/>
-              <a:t>9/11/2021</a:t>
+              <a:t>9/12/2021</a:t>
             </a:fld>
             <a:endParaRPr lang="en-US"/>
           </a:p>
@@ -2663,7 +2663,7 @@
           <a:p>
             <a:fld id="{57CA8ECA-34C5-41B2-BA9B-0F81DB07D56E}" type="datetimeFigureOut">
               <a:rPr lang="en-US" smtClean="0"/>
-              <a:t>9/11/2021</a:t>
+              <a:t>9/12/2021</a:t>
             </a:fld>
             <a:endParaRPr lang="en-US"/>
           </a:p>
@@ -2952,7 +2952,7 @@
           <a:p>
             <a:fld id="{57CA8ECA-34C5-41B2-BA9B-0F81DB07D56E}" type="datetimeFigureOut">
               <a:rPr lang="en-US" smtClean="0"/>
-              <a:t>9/11/2021</a:t>
+              <a:t>9/12/2021</a:t>
             </a:fld>
             <a:endParaRPr lang="en-US"/>
           </a:p>
@@ -3227,7 +3227,7 @@
           <a:p>
             <a:fld id="{57CA8ECA-34C5-41B2-BA9B-0F81DB07D56E}" type="datetimeFigureOut">
               <a:rPr lang="en-US" smtClean="0"/>
-              <a:t>9/11/2021</a:t>
+              <a:t>9/12/2021</a:t>
             </a:fld>
             <a:endParaRPr lang="en-US"/>
           </a:p>
@@ -4540,7 +4540,7 @@
         <p:spPr>
           <a:xfrm>
             <a:off x="581021" y="250169"/>
-            <a:ext cx="11029951" cy="1261884"/>
+            <a:ext cx="11029951" cy="1138773"/>
           </a:xfrm>
           <a:prstGeom prst="rect">
             <a:avLst/>
@@ -4554,10 +4554,13 @@
           <a:lstStyle/>
           <a:p>
             <a:r>
-              <a:rPr lang="en-US" sz="3600" b="1" dirty="0">
+              <a:rPr lang="en-US" sz="2800" b="1" dirty="0">
                 <a:solidFill>
-                  <a:schemeClr val="accent1"/>
+                  <a:schemeClr val="accent1">
+                    <a:lumMod val="75000"/>
+                  </a:schemeClr>
                 </a:solidFill>
+                <a:latin typeface="+mj-lt"/>
               </a:rPr>
               <a:t>index.html</a:t>
             </a:r>
@@ -4659,7 +4662,7 @@
         <p:spPr>
           <a:xfrm>
             <a:off x="771525" y="1320701"/>
-            <a:ext cx="10220325" cy="3046988"/>
+            <a:ext cx="10220325" cy="3416320"/>
           </a:xfrm>
           <a:prstGeom prst="rect">
             <a:avLst/>
@@ -4673,7 +4676,7 @@
           <a:lstStyle/>
           <a:p>
             <a:r>
-              <a:rPr lang="en-US" sz="2400" b="1" dirty="0">
+              <a:rPr lang="en-US" b="1" dirty="0">
                 <a:solidFill>
                   <a:srgbClr val="00B0F0"/>
                 </a:solidFill>
@@ -4681,16 +4684,16 @@
               <a:t>The National Renewable Energy Laboratory </a:t>
             </a:r>
             <a:r>
-              <a:rPr lang="en-US" sz="2400" dirty="0"/>
+              <a:rPr lang="en-US" dirty="0"/>
               <a:t>https://developer.nrel.gov/docs/transportation/alt-fuel-stations-v1/all/</a:t>
             </a:r>
           </a:p>
           <a:p>
-            <a:endParaRPr lang="en-US" sz="2400" dirty="0"/>
-          </a:p>
-          <a:p>
-            <a:r>
-              <a:rPr lang="en-US" sz="2400" b="1" dirty="0">
+            <a:endParaRPr lang="en-US" dirty="0"/>
+          </a:p>
+          <a:p>
+            <a:r>
+              <a:rPr lang="en-US" b="1" dirty="0">
                 <a:solidFill>
                   <a:srgbClr val="00B0F0"/>
                 </a:solidFill>
@@ -4700,16 +4703,35 @@
           </a:p>
           <a:p>
             <a:r>
-              <a:rPr lang="en-US" sz="2400" dirty="0"/>
+              <a:rPr lang="en-US" dirty="0"/>
               <a:t>https://afdc.energy.gov/data/search?q=electricity</a:t>
             </a:r>
           </a:p>
           <a:p>
-            <a:endParaRPr lang="en-US" sz="2400" dirty="0"/>
-          </a:p>
-          <a:p>
-            <a:r>
-              <a:rPr lang="en-US" sz="2400" b="1" dirty="0">
+            <a:endParaRPr lang="en-US" dirty="0"/>
+          </a:p>
+          <a:p>
+            <a:r>
+              <a:rPr lang="en-US" b="1" dirty="0">
+                <a:solidFill>
+                  <a:srgbClr val="00B0F0"/>
+                </a:solidFill>
+              </a:rPr>
+              <a:t>California Energy Commission</a:t>
+            </a:r>
+          </a:p>
+          <a:p>
+            <a:r>
+              <a:rPr lang="en-US" dirty="0"/>
+              <a:t>https://www.energy.ca.gov/files/zev-and-infrastructure-stats-data</a:t>
+            </a:r>
+          </a:p>
+          <a:p>
+            <a:endParaRPr lang="en-US" dirty="0"/>
+          </a:p>
+          <a:p>
+            <a:r>
+              <a:rPr lang="en-US" b="1" dirty="0">
                 <a:solidFill>
                   <a:srgbClr val="00B0F0"/>
                 </a:solidFill>
@@ -4719,9 +4741,12 @@
           </a:p>
           <a:p>
             <a:r>
-              <a:rPr lang="en-US" sz="2400" dirty="0"/>
+              <a:rPr lang="en-US" dirty="0"/>
               <a:t>https://www.carvana.com/cars/tesla</a:t>
             </a:r>
+          </a:p>
+          <a:p>
+            <a:endParaRPr lang="en-US" dirty="0"/>
           </a:p>
         </p:txBody>
       </p:sp>
@@ -4943,12 +4968,13 @@
           <a:lstStyle/>
           <a:p>
             <a:r>
-              <a:rPr lang="en-US" sz="2800" dirty="0">
+              <a:rPr lang="en-US" sz="2800" b="1" dirty="0">
                 <a:solidFill>
                   <a:schemeClr val="accent1">
                     <a:lumMod val="75000"/>
                   </a:schemeClr>
                 </a:solidFill>
+                <a:latin typeface="+mj-lt"/>
               </a:rPr>
               <a:t>Interactive Map of Available EV Charging Stations in California</a:t>
             </a:r>
@@ -5183,8 +5209,8 @@
         </p:nvSpPr>
         <p:spPr>
           <a:xfrm>
-            <a:off x="413226" y="788650"/>
-            <a:ext cx="11365547" cy="830997"/>
+            <a:off x="413226" y="352425"/>
+            <a:ext cx="11365547" cy="523220"/>
           </a:xfrm>
           <a:prstGeom prst="rect">
             <a:avLst/>
@@ -5198,47 +5224,25 @@
           <a:lstStyle/>
           <a:p>
             <a:r>
-              <a:rPr lang="en-US" sz="2400" dirty="0"/>
-              <a:t>Create an interactive JavaScript table by extracting EV populations from 2010 to 2020 from the CSV dataset. A line chart to show the EV population from the registration data.</a:t>
+              <a:rPr lang="en-US" sz="2800" b="1" dirty="0">
+                <a:solidFill>
+                  <a:schemeClr val="accent1">
+                    <a:lumMod val="75000"/>
+                  </a:schemeClr>
+                </a:solidFill>
+                <a:latin typeface="+mj-lt"/>
+              </a:rPr>
+              <a:t>Chart of Electronic Vehicles Registered in California for 2010 - 2020</a:t>
             </a:r>
           </a:p>
         </p:txBody>
       </p:sp>
       <p:pic>
         <p:nvPicPr>
-          <p:cNvPr id="4" name="図 3">
-            <a:extLst>
-              <a:ext uri="{FF2B5EF4-FFF2-40B4-BE49-F238E27FC236}">
-                <a16:creationId xmlns:a16="http://schemas.microsoft.com/office/drawing/2014/main" id="{92D0BEB2-A2DF-473E-893F-D73BECB09A85}"/>
-              </a:ext>
-            </a:extLst>
-          </p:cNvPr>
-          <p:cNvPicPr>
-            <a:picLocks noChangeAspect="1"/>
-          </p:cNvPicPr>
-          <p:nvPr/>
-        </p:nvPicPr>
-        <p:blipFill rotWithShape="1">
-          <a:blip r:embed="rId2"/>
-          <a:srcRect l="26953" t="24722" r="4141" b="8750"/>
-          <a:stretch/>
-        </p:blipFill>
-        <p:spPr>
-          <a:xfrm>
-            <a:off x="781050" y="1943100"/>
-            <a:ext cx="8401050" cy="4562475"/>
-          </a:xfrm>
-          <a:prstGeom prst="rect">
-            <a:avLst/>
-          </a:prstGeom>
-        </p:spPr>
-      </p:pic>
-      <p:pic>
-        <p:nvPicPr>
-          <p:cNvPr id="7" name="グラフィックス 6">
-            <a:extLst>
-              <a:ext uri="{FF2B5EF4-FFF2-40B4-BE49-F238E27FC236}">
-                <a16:creationId xmlns:a16="http://schemas.microsoft.com/office/drawing/2014/main" id="{B2BC8E49-D009-422C-B93B-C9D245BE78B7}"/>
+          <p:cNvPr id="3" name="Picture 2" descr="Chart, bar chart, histogram&#10;&#10;Description automatically generated">
+            <a:extLst>
+              <a:ext uri="{FF2B5EF4-FFF2-40B4-BE49-F238E27FC236}">
+                <a16:creationId xmlns:a16="http://schemas.microsoft.com/office/drawing/2014/main" id="{781B9751-90D5-4E4B-ADEA-4A816279C12F}"/>
               </a:ext>
             </a:extLst>
           </p:cNvPr>
@@ -5248,13 +5252,10 @@
           <p:nvPr/>
         </p:nvPicPr>
         <p:blipFill>
-          <a:blip r:embed="rId3">
+          <a:blip r:embed="rId2">
             <a:extLst>
               <a:ext uri="{28A0092B-C50C-407E-A947-70E740481C1C}">
                 <a14:useLocalDpi xmlns:a14="http://schemas.microsoft.com/office/drawing/2010/main" val="0"/>
-              </a:ext>
-              <a:ext uri="{96DAC541-7B7A-43D3-8B79-37D633B846F1}">
-                <asvg:svgBlip xmlns:asvg="http://schemas.microsoft.com/office/drawing/2016/SVG/main" r:embed="rId4"/>
               </a:ext>
             </a:extLst>
           </a:blip>
@@ -5264,8 +5265,8 @@
         </p:blipFill>
         <p:spPr>
           <a:xfrm>
-            <a:off x="9391650" y="4676775"/>
-            <a:ext cx="1828800" cy="1828800"/>
+            <a:off x="1915898" y="1030151"/>
+            <a:ext cx="8813682" cy="5288209"/>
           </a:xfrm>
           <a:prstGeom prst="rect">
             <a:avLst/>
@@ -5275,7 +5276,7 @@
     </p:spTree>
     <p:extLst>
       <p:ext uri="{BB962C8B-B14F-4D97-AF65-F5344CB8AC3E}">
-        <p14:creationId xmlns:p14="http://schemas.microsoft.com/office/powerpoint/2010/main" val="1328749600"/>
+        <p14:creationId xmlns:p14="http://schemas.microsoft.com/office/powerpoint/2010/main" val="3197605646"/>
       </p:ext>
     </p:extLst>
   </p:cSld>
@@ -5302,12 +5303,65 @@
           <a:chExt cx="0" cy="0"/>
         </a:xfrm>
       </p:grpSpPr>
+      <p:sp>
+        <p:nvSpPr>
+          <p:cNvPr id="10" name="テキスト ボックス 9">
+            <a:extLst>
+              <a:ext uri="{FF2B5EF4-FFF2-40B4-BE49-F238E27FC236}">
+                <a16:creationId xmlns:a16="http://schemas.microsoft.com/office/drawing/2014/main" id="{8EF0F0CC-607A-47A2-8FEC-CCFA1AC4356D}"/>
+              </a:ext>
+            </a:extLst>
+          </p:cNvPr>
+          <p:cNvSpPr txBox="1"/>
+          <p:nvPr/>
+        </p:nvSpPr>
+        <p:spPr>
+          <a:xfrm>
+            <a:off x="413226" y="352425"/>
+            <a:ext cx="11365547" cy="523220"/>
+          </a:xfrm>
+          <a:prstGeom prst="rect">
+            <a:avLst/>
+          </a:prstGeom>
+          <a:noFill/>
+        </p:spPr>
+        <p:txBody>
+          <a:bodyPr wrap="square">
+            <a:spAutoFit/>
+          </a:bodyPr>
+          <a:lstStyle/>
+          <a:p>
+            <a:r>
+              <a:rPr lang="en-US" sz="2800" b="1" dirty="0" err="1">
+                <a:solidFill>
+                  <a:schemeClr val="accent1">
+                    <a:lumMod val="75000"/>
+                  </a:schemeClr>
+                </a:solidFill>
+                <a:latin typeface="+mj-lt"/>
+              </a:rPr>
+              <a:t>data.ipynb</a:t>
+            </a:r>
+            <a:r>
+              <a:rPr lang="en-US" sz="2800" b="1" dirty="0">
+                <a:solidFill>
+                  <a:schemeClr val="accent1">
+                    <a:lumMod val="75000"/>
+                  </a:schemeClr>
+                </a:solidFill>
+                <a:latin typeface="+mj-lt"/>
+              </a:rPr>
+              <a:t> / ev_population.js</a:t>
+            </a:r>
+          </a:p>
+        </p:txBody>
+      </p:sp>
       <p:pic>
         <p:nvPicPr>
-          <p:cNvPr id="3" name="図 2">
-            <a:extLst>
-              <a:ext uri="{FF2B5EF4-FFF2-40B4-BE49-F238E27FC236}">
-                <a16:creationId xmlns:a16="http://schemas.microsoft.com/office/drawing/2014/main" id="{E97AB941-7B22-408C-9B33-24BAB9BCDDD4}"/>
+          <p:cNvPr id="5" name="Picture 4">
+            <a:extLst>
+              <a:ext uri="{FF2B5EF4-FFF2-40B4-BE49-F238E27FC236}">
+                <a16:creationId xmlns:a16="http://schemas.microsoft.com/office/drawing/2014/main" id="{182F2DC7-DB61-4304-9FE0-AB251A324FAF}"/>
               </a:ext>
             </a:extLst>
           </p:cNvPr>
@@ -5316,15 +5370,16 @@
           </p:cNvPicPr>
           <p:nvPr/>
         </p:nvPicPr>
-        <p:blipFill rotWithShape="1">
+        <p:blipFill>
           <a:blip r:embed="rId2"/>
-          <a:srcRect l="6083" t="21037" r="54668" b="8296"/>
-          <a:stretch/>
+          <a:stretch>
+            <a:fillRect/>
+          </a:stretch>
         </p:blipFill>
         <p:spPr>
           <a:xfrm>
-            <a:off x="6187440" y="1259840"/>
-            <a:ext cx="4785360" cy="4846320"/>
+            <a:off x="3377723" y="2686050"/>
+            <a:ext cx="8401050" cy="3819525"/>
           </a:xfrm>
           <a:prstGeom prst="rect">
             <a:avLst/>
@@ -5333,10 +5388,10 @@
       </p:pic>
       <p:pic>
         <p:nvPicPr>
-          <p:cNvPr id="5" name="図 4">
-            <a:extLst>
-              <a:ext uri="{FF2B5EF4-FFF2-40B4-BE49-F238E27FC236}">
-                <a16:creationId xmlns:a16="http://schemas.microsoft.com/office/drawing/2014/main" id="{2184EBCB-2169-41DD-901B-3FEE2872FC52}"/>
+          <p:cNvPr id="8" name="Picture 7">
+            <a:extLst>
+              <a:ext uri="{FF2B5EF4-FFF2-40B4-BE49-F238E27FC236}">
+                <a16:creationId xmlns:a16="http://schemas.microsoft.com/office/drawing/2014/main" id="{FADB1ECE-30E1-4F3E-BB6D-8714E12222FC}"/>
               </a:ext>
             </a:extLst>
           </p:cNvPr>
@@ -5345,15 +5400,16 @@
           </p:cNvPicPr>
           <p:nvPr/>
         </p:nvPicPr>
-        <p:blipFill rotWithShape="1">
+        <p:blipFill>
           <a:blip r:embed="rId3"/>
-          <a:srcRect l="6584" t="15407" r="63083" b="6519"/>
-          <a:stretch/>
+          <a:stretch>
+            <a:fillRect/>
+          </a:stretch>
         </p:blipFill>
         <p:spPr>
           <a:xfrm>
-            <a:off x="1219200" y="767080"/>
-            <a:ext cx="3698240" cy="5354320"/>
+            <a:off x="413226" y="1176010"/>
+            <a:ext cx="7410450" cy="1209675"/>
           </a:xfrm>
           <a:prstGeom prst="rect">
             <a:avLst/>
@@ -5363,7 +5419,7 @@
     </p:spTree>
     <p:extLst>
       <p:ext uri="{BB962C8B-B14F-4D97-AF65-F5344CB8AC3E}">
-        <p14:creationId xmlns:p14="http://schemas.microsoft.com/office/powerpoint/2010/main" val="1935878082"/>
+        <p14:creationId xmlns:p14="http://schemas.microsoft.com/office/powerpoint/2010/main" val="1328749600"/>
       </p:ext>
     </p:extLst>
   </p:cSld>
@@ -5570,7 +5626,7 @@
         <p:spPr>
           <a:xfrm>
             <a:off x="397828" y="210482"/>
-            <a:ext cx="11203622" cy="2646878"/>
+            <a:ext cx="11203622" cy="2523768"/>
           </a:xfrm>
           <a:prstGeom prst="rect">
             <a:avLst/>
@@ -5584,10 +5640,13 @@
           <a:lstStyle/>
           <a:p>
             <a:r>
-              <a:rPr lang="en-US" sz="3600" b="1" dirty="0">
+              <a:rPr lang="en-US" sz="2800" b="1" dirty="0">
                 <a:solidFill>
-                  <a:schemeClr val="accent1"/>
+                  <a:schemeClr val="accent1">
+                    <a:lumMod val="75000"/>
+                  </a:schemeClr>
                 </a:solidFill>
+                <a:latin typeface="+mj-lt"/>
               </a:rPr>
               <a:t>scrape_tesla.py</a:t>
             </a:r>
@@ -5796,7 +5855,7 @@
         <p:spPr>
           <a:xfrm>
             <a:off x="274003" y="191909"/>
-            <a:ext cx="11917997" cy="1261884"/>
+            <a:ext cx="11917997" cy="1138773"/>
           </a:xfrm>
           <a:prstGeom prst="rect">
             <a:avLst/>
@@ -5810,10 +5869,13 @@
           <a:lstStyle/>
           <a:p>
             <a:r>
-              <a:rPr lang="en-US" sz="3600" b="1" dirty="0">
+              <a:rPr lang="en-US" sz="2800" b="1" dirty="0">
                 <a:solidFill>
-                  <a:schemeClr val="accent1"/>
+                  <a:schemeClr val="accent1">
+                    <a:lumMod val="75000"/>
+                  </a:schemeClr>
                 </a:solidFill>
+                <a:latin typeface="+mj-lt"/>
               </a:rPr>
               <a:t>app.py</a:t>
             </a:r>

--- a/Presentation/legendary-system.pptx
+++ b/Presentation/legendary-system.pptx
@@ -7,14 +7,14 @@
   <p:sldIdLst>
     <p:sldId id="256" r:id="rId2"/>
     <p:sldId id="257" r:id="rId3"/>
-    <p:sldId id="258" r:id="rId4"/>
+    <p:sldId id="270" r:id="rId4"/>
     <p:sldId id="264" r:id="rId5"/>
     <p:sldId id="269" r:id="rId6"/>
     <p:sldId id="265" r:id="rId7"/>
-    <p:sldId id="263" r:id="rId8"/>
-    <p:sldId id="262" r:id="rId9"/>
-    <p:sldId id="259" r:id="rId10"/>
-    <p:sldId id="260" r:id="rId11"/>
+    <p:sldId id="262" r:id="rId8"/>
+    <p:sldId id="259" r:id="rId9"/>
+    <p:sldId id="260" r:id="rId10"/>
+    <p:sldId id="266" r:id="rId11"/>
   </p:sldIdLst>
   <p:sldSz cx="12192000" cy="6858000"/>
   <p:notesSz cx="6858000" cy="9144000"/>
@@ -270,7 +270,7 @@
           <a:p>
             <a:fld id="{57CA8ECA-34C5-41B2-BA9B-0F81DB07D56E}" type="datetimeFigureOut">
               <a:rPr lang="en-US" smtClean="0"/>
-              <a:t>9/12/2021</a:t>
+              <a:t>9/13/2021</a:t>
             </a:fld>
             <a:endParaRPr lang="en-US"/>
           </a:p>
@@ -502,7 +502,7 @@
           <a:p>
             <a:fld id="{57CA8ECA-34C5-41B2-BA9B-0F81DB07D56E}" type="datetimeFigureOut">
               <a:rPr lang="en-US" smtClean="0"/>
-              <a:t>9/12/2021</a:t>
+              <a:t>9/13/2021</a:t>
             </a:fld>
             <a:endParaRPr lang="en-US"/>
           </a:p>
@@ -744,7 +744,7 @@
           <a:p>
             <a:fld id="{57CA8ECA-34C5-41B2-BA9B-0F81DB07D56E}" type="datetimeFigureOut">
               <a:rPr lang="en-US" smtClean="0"/>
-              <a:t>9/12/2021</a:t>
+              <a:t>9/13/2021</a:t>
             </a:fld>
             <a:endParaRPr lang="en-US"/>
           </a:p>
@@ -976,7 +976,7 @@
           <a:p>
             <a:fld id="{57CA8ECA-34C5-41B2-BA9B-0F81DB07D56E}" type="datetimeFigureOut">
               <a:rPr lang="en-US" smtClean="0"/>
-              <a:t>9/12/2021</a:t>
+              <a:t>9/13/2021</a:t>
             </a:fld>
             <a:endParaRPr lang="en-US"/>
           </a:p>
@@ -1252,7 +1252,7 @@
           <a:p>
             <a:fld id="{57CA8ECA-34C5-41B2-BA9B-0F81DB07D56E}" type="datetimeFigureOut">
               <a:rPr lang="en-US" smtClean="0"/>
-              <a:t>9/12/2021</a:t>
+              <a:t>9/13/2021</a:t>
             </a:fld>
             <a:endParaRPr lang="en-US"/>
           </a:p>
@@ -1584,7 +1584,7 @@
           <a:p>
             <a:fld id="{57CA8ECA-34C5-41B2-BA9B-0F81DB07D56E}" type="datetimeFigureOut">
               <a:rPr lang="en-US" smtClean="0"/>
-              <a:t>9/12/2021</a:t>
+              <a:t>9/13/2021</a:t>
             </a:fld>
             <a:endParaRPr lang="en-US"/>
           </a:p>
@@ -2063,7 +2063,7 @@
           <a:p>
             <a:fld id="{57CA8ECA-34C5-41B2-BA9B-0F81DB07D56E}" type="datetimeFigureOut">
               <a:rPr lang="en-US" smtClean="0"/>
-              <a:t>9/12/2021</a:t>
+              <a:t>9/13/2021</a:t>
             </a:fld>
             <a:endParaRPr lang="en-US"/>
           </a:p>
@@ -2205,7 +2205,7 @@
           <a:p>
             <a:fld id="{57CA8ECA-34C5-41B2-BA9B-0F81DB07D56E}" type="datetimeFigureOut">
               <a:rPr lang="en-US" smtClean="0"/>
-              <a:t>9/12/2021</a:t>
+              <a:t>9/13/2021</a:t>
             </a:fld>
             <a:endParaRPr lang="en-US"/>
           </a:p>
@@ -2318,7 +2318,7 @@
           <a:p>
             <a:fld id="{57CA8ECA-34C5-41B2-BA9B-0F81DB07D56E}" type="datetimeFigureOut">
               <a:rPr lang="en-US" smtClean="0"/>
-              <a:t>9/12/2021</a:t>
+              <a:t>9/13/2021</a:t>
             </a:fld>
             <a:endParaRPr lang="en-US"/>
           </a:p>
@@ -2663,7 +2663,7 @@
           <a:p>
             <a:fld id="{57CA8ECA-34C5-41B2-BA9B-0F81DB07D56E}" type="datetimeFigureOut">
               <a:rPr lang="en-US" smtClean="0"/>
-              <a:t>9/12/2021</a:t>
+              <a:t>9/13/2021</a:t>
             </a:fld>
             <a:endParaRPr lang="en-US"/>
           </a:p>
@@ -2952,7 +2952,7 @@
           <a:p>
             <a:fld id="{57CA8ECA-34C5-41B2-BA9B-0F81DB07D56E}" type="datetimeFigureOut">
               <a:rPr lang="en-US" smtClean="0"/>
-              <a:t>9/12/2021</a:t>
+              <a:t>9/13/2021</a:t>
             </a:fld>
             <a:endParaRPr lang="en-US"/>
           </a:p>
@@ -3227,7 +3227,7 @@
           <a:p>
             <a:fld id="{57CA8ECA-34C5-41B2-BA9B-0F81DB07D56E}" type="datetimeFigureOut">
               <a:rPr lang="en-US" smtClean="0"/>
-              <a:t>9/12/2021</a:t>
+              <a:t>9/13/2021</a:t>
             </a:fld>
             <a:endParaRPr lang="en-US"/>
           </a:p>
@@ -4460,48 +4460,55 @@
           <a:chExt cx="0" cy="0"/>
         </a:xfrm>
       </p:grpSpPr>
-      <p:pic>
-        <p:nvPicPr>
-          <p:cNvPr id="3" name="図 2" descr="車のスクリーンショット&#10;&#10;自動的に生成された説明">
-            <a:extLst>
-              <a:ext uri="{FF2B5EF4-FFF2-40B4-BE49-F238E27FC236}">
-                <a16:creationId xmlns:a16="http://schemas.microsoft.com/office/drawing/2014/main" id="{20060590-8D4A-426E-9212-EC408919C453}"/>
-              </a:ext>
-            </a:extLst>
-          </p:cNvPr>
-          <p:cNvPicPr>
-            <a:picLocks noChangeAspect="1"/>
-          </p:cNvPicPr>
+      <p:sp>
+        <p:nvSpPr>
+          <p:cNvPr id="7" name="テキスト ボックス 6">
+            <a:extLst>
+              <a:ext uri="{FF2B5EF4-FFF2-40B4-BE49-F238E27FC236}">
+                <a16:creationId xmlns:a16="http://schemas.microsoft.com/office/drawing/2014/main" id="{9C4A80B6-9756-49E7-9622-13485D12973C}"/>
+              </a:ext>
+            </a:extLst>
+          </p:cNvPr>
+          <p:cNvSpPr txBox="1"/>
           <p:nvPr/>
-        </p:nvPicPr>
-        <p:blipFill>
-          <a:blip r:embed="rId2">
-            <a:extLst>
-              <a:ext uri="{28A0092B-C50C-407E-A947-70E740481C1C}">
-                <a14:useLocalDpi xmlns:a14="http://schemas.microsoft.com/office/drawing/2010/main" val="0"/>
-              </a:ext>
-            </a:extLst>
-          </a:blip>
-          <a:stretch>
-            <a:fillRect/>
-          </a:stretch>
-        </p:blipFill>
+        </p:nvSpPr>
         <p:spPr>
           <a:xfrm>
-            <a:off x="581021" y="1671904"/>
-            <a:ext cx="9838055" cy="4682102"/>
+            <a:off x="845184" y="260786"/>
+            <a:ext cx="10722613" cy="400110"/>
           </a:xfrm>
           <a:prstGeom prst="rect">
             <a:avLst/>
           </a:prstGeom>
-        </p:spPr>
-      </p:pic>
+          <a:noFill/>
+        </p:spPr>
+        <p:txBody>
+          <a:bodyPr wrap="square">
+            <a:spAutoFit/>
+          </a:bodyPr>
+          <a:lstStyle/>
+          <a:p>
+            <a:r>
+              <a:rPr lang="en-US" sz="2000" dirty="0"/>
+              <a:t>Scraping the third visual by extracting a table data from Wikipedia (</a:t>
+            </a:r>
+            <a:r>
+              <a:rPr lang="en-US" sz="2000" dirty="0" err="1"/>
+              <a:t>Tesla_Supercharger</a:t>
+            </a:r>
+            <a:r>
+              <a:rPr lang="en-US" sz="2000" dirty="0"/>
+              <a:t>) </a:t>
+            </a:r>
+          </a:p>
+        </p:txBody>
+      </p:sp>
       <p:pic>
         <p:nvPicPr>
-          <p:cNvPr id="5" name="図 4">
-            <a:extLst>
-              <a:ext uri="{FF2B5EF4-FFF2-40B4-BE49-F238E27FC236}">
-                <a16:creationId xmlns:a16="http://schemas.microsoft.com/office/drawing/2014/main" id="{9D6F438D-88E6-40A3-A346-DF86546B7BF1}"/>
+          <p:cNvPr id="4" name="図 3">
+            <a:extLst>
+              <a:ext uri="{FF2B5EF4-FFF2-40B4-BE49-F238E27FC236}">
+                <a16:creationId xmlns:a16="http://schemas.microsoft.com/office/drawing/2014/main" id="{D7CC1787-2F32-48B2-8894-708705F87E09}"/>
               </a:ext>
             </a:extLst>
           </p:cNvPr>
@@ -4511,26 +4518,142 @@
           <p:nvPr/>
         </p:nvPicPr>
         <p:blipFill rotWithShape="1">
-          <a:blip r:embed="rId3"/>
-          <a:srcRect l="20250" t="42368" r="15584" b="22223"/>
+          <a:blip r:embed="rId2"/>
+          <a:srcRect l="18082" t="35556" r="41085" b="23851"/>
           <a:stretch/>
         </p:blipFill>
         <p:spPr>
           <a:xfrm>
-            <a:off x="7191375" y="1671904"/>
-            <a:ext cx="4740044" cy="1471346"/>
+            <a:off x="429893" y="912087"/>
+            <a:ext cx="5045079" cy="2821126"/>
           </a:xfrm>
           <a:prstGeom prst="rect">
             <a:avLst/>
           </a:prstGeom>
         </p:spPr>
       </p:pic>
-      <p:sp>
-        <p:nvSpPr>
-          <p:cNvPr id="7" name="テキスト ボックス 6">
-            <a:extLst>
-              <a:ext uri="{FF2B5EF4-FFF2-40B4-BE49-F238E27FC236}">
-                <a16:creationId xmlns:a16="http://schemas.microsoft.com/office/drawing/2014/main" id="{9C4A80B6-9756-49E7-9622-13485D12973C}"/>
+      <p:pic>
+        <p:nvPicPr>
+          <p:cNvPr id="8" name="図 7" descr="グラフ&#10;&#10;自動的に生成された説明">
+            <a:extLst>
+              <a:ext uri="{FF2B5EF4-FFF2-40B4-BE49-F238E27FC236}">
+                <a16:creationId xmlns:a16="http://schemas.microsoft.com/office/drawing/2014/main" id="{32A5F6DD-4C51-4A40-921F-D66A3F6CD5C2}"/>
+              </a:ext>
+            </a:extLst>
+          </p:cNvPr>
+          <p:cNvPicPr>
+            <a:picLocks noChangeAspect="1"/>
+          </p:cNvPicPr>
+          <p:nvPr/>
+        </p:nvPicPr>
+        <p:blipFill rotWithShape="1">
+          <a:blip r:embed="rId3">
+            <a:extLst>
+              <a:ext uri="{28A0092B-C50C-407E-A947-70E740481C1C}">
+                <a14:useLocalDpi xmlns:a14="http://schemas.microsoft.com/office/drawing/2010/main" val="0"/>
+              </a:ext>
+            </a:extLst>
+          </a:blip>
+          <a:srcRect l="6095" t="19365" r="10553" b="13301"/>
+          <a:stretch/>
+        </p:blipFill>
+        <p:spPr>
+          <a:xfrm>
+            <a:off x="6010275" y="1223951"/>
+            <a:ext cx="5557522" cy="2886097"/>
+          </a:xfrm>
+          <a:prstGeom prst="rect">
+            <a:avLst/>
+          </a:prstGeom>
+        </p:spPr>
+      </p:pic>
+      <p:pic>
+        <p:nvPicPr>
+          <p:cNvPr id="10" name="図 9" descr="グラフ, ヒストグラム&#10;&#10;自動的に生成された説明">
+            <a:extLst>
+              <a:ext uri="{FF2B5EF4-FFF2-40B4-BE49-F238E27FC236}">
+                <a16:creationId xmlns:a16="http://schemas.microsoft.com/office/drawing/2014/main" id="{473B7C6A-B695-4B25-9ECE-BAE51516279A}"/>
+              </a:ext>
+            </a:extLst>
+          </p:cNvPr>
+          <p:cNvPicPr>
+            <a:picLocks noChangeAspect="1"/>
+          </p:cNvPicPr>
+          <p:nvPr/>
+        </p:nvPicPr>
+        <p:blipFill rotWithShape="1">
+          <a:blip r:embed="rId4">
+            <a:extLst>
+              <a:ext uri="{28A0092B-C50C-407E-A947-70E740481C1C}">
+                <a14:useLocalDpi xmlns:a14="http://schemas.microsoft.com/office/drawing/2010/main" val="0"/>
+              </a:ext>
+            </a:extLst>
+          </a:blip>
+          <a:srcRect l="5370" t="6718" r="8869" b="3258"/>
+          <a:stretch/>
+        </p:blipFill>
+        <p:spPr>
+          <a:xfrm>
+            <a:off x="229076" y="3487893"/>
+            <a:ext cx="5416832" cy="3032628"/>
+          </a:xfrm>
+          <a:prstGeom prst="rect">
+            <a:avLst/>
+          </a:prstGeom>
+        </p:spPr>
+      </p:pic>
+      <p:sp>
+        <p:nvSpPr>
+          <p:cNvPr id="11" name="矢印: 上向き折線 10">
+            <a:extLst>
+              <a:ext uri="{FF2B5EF4-FFF2-40B4-BE49-F238E27FC236}">
+                <a16:creationId xmlns:a16="http://schemas.microsoft.com/office/drawing/2014/main" id="{FEB50577-829E-4E1F-8BF9-983265CFE172}"/>
+              </a:ext>
+            </a:extLst>
+          </p:cNvPr>
+          <p:cNvSpPr/>
+          <p:nvPr/>
+        </p:nvSpPr>
+        <p:spPr>
+          <a:xfrm>
+            <a:off x="6010275" y="4561294"/>
+            <a:ext cx="3333750" cy="885825"/>
+          </a:xfrm>
+          <a:prstGeom prst="bentUpArrow">
+            <a:avLst/>
+          </a:prstGeom>
+        </p:spPr>
+        <p:style>
+          <a:lnRef idx="2">
+            <a:schemeClr val="accent1">
+              <a:shade val="50000"/>
+            </a:schemeClr>
+          </a:lnRef>
+          <a:fillRef idx="1">
+            <a:schemeClr val="accent1"/>
+          </a:fillRef>
+          <a:effectRef idx="0">
+            <a:schemeClr val="accent1"/>
+          </a:effectRef>
+          <a:fontRef idx="minor">
+            <a:schemeClr val="lt1"/>
+          </a:fontRef>
+        </p:style>
+        <p:txBody>
+          <a:bodyPr rtlCol="0" anchor="ctr"/>
+          <a:lstStyle/>
+          <a:p>
+            <a:pPr algn="ctr"/>
+            <a:endParaRPr lang="en-US"/>
+          </a:p>
+        </p:txBody>
+      </p:sp>
+      <p:sp>
+        <p:nvSpPr>
+          <p:cNvPr id="12" name="テキスト ボックス 11">
+            <a:extLst>
+              <a:ext uri="{FF2B5EF4-FFF2-40B4-BE49-F238E27FC236}">
+                <a16:creationId xmlns:a16="http://schemas.microsoft.com/office/drawing/2014/main" id="{E5176EBB-44A2-4DD2-B8AC-2CBE7821A961}"/>
               </a:ext>
             </a:extLst>
           </p:cNvPr>
@@ -4539,8 +4662,8 @@
         </p:nvSpPr>
         <p:spPr>
           <a:xfrm>
-            <a:off x="581021" y="250169"/>
-            <a:ext cx="11029951" cy="1138773"/>
+            <a:off x="7086599" y="942090"/>
+            <a:ext cx="3890647" cy="369332"/>
           </a:xfrm>
           <a:prstGeom prst="rect">
             <a:avLst/>
@@ -4553,25 +4676,134 @@
           </a:bodyPr>
           <a:lstStyle/>
           <a:p>
-            <a:r>
-              <a:rPr lang="en-US" sz="2800" b="1" dirty="0">
-                <a:solidFill>
-                  <a:schemeClr val="accent1">
-                    <a:lumMod val="75000"/>
-                  </a:schemeClr>
-                </a:solidFill>
-                <a:latin typeface="+mj-lt"/>
-              </a:rPr>
-              <a:t>index.html</a:t>
-            </a:r>
-          </a:p>
-          <a:p>
-            <a:endParaRPr lang="en-US" sz="2000" dirty="0"/>
-          </a:p>
-          <a:p>
+            <a:pPr algn="ctr"/>
+            <a:r>
+              <a:rPr lang="en-US" b="1" dirty="0"/>
+              <a:t>Tesla Global Supercharger Count</a:t>
+            </a:r>
+          </a:p>
+        </p:txBody>
+      </p:sp>
+      <p:sp>
+        <p:nvSpPr>
+          <p:cNvPr id="13" name="テキスト ボックス 12">
+            <a:extLst>
+              <a:ext uri="{FF2B5EF4-FFF2-40B4-BE49-F238E27FC236}">
+                <a16:creationId xmlns:a16="http://schemas.microsoft.com/office/drawing/2014/main" id="{789BEA7B-EC25-49B0-BDA5-AC7831553ADF}"/>
+              </a:ext>
+            </a:extLst>
+          </p:cNvPr>
+          <p:cNvSpPr txBox="1"/>
+          <p:nvPr/>
+        </p:nvSpPr>
+        <p:spPr>
+          <a:xfrm>
+            <a:off x="8429625" y="4095831"/>
+            <a:ext cx="1419226" cy="369332"/>
+          </a:xfrm>
+          <a:prstGeom prst="rect">
+            <a:avLst/>
+          </a:prstGeom>
+          <a:noFill/>
+        </p:spPr>
+        <p:txBody>
+          <a:bodyPr wrap="square">
+            <a:spAutoFit/>
+          </a:bodyPr>
+          <a:lstStyle/>
+          <a:p>
+            <a:pPr algn="ctr"/>
+            <a:r>
+              <a:rPr lang="en-US" dirty="0"/>
+              <a:t>Year</a:t>
+            </a:r>
+          </a:p>
+        </p:txBody>
+      </p:sp>
+      <p:sp>
+        <p:nvSpPr>
+          <p:cNvPr id="14" name="テキスト ボックス 13">
+            <a:extLst>
+              <a:ext uri="{FF2B5EF4-FFF2-40B4-BE49-F238E27FC236}">
+                <a16:creationId xmlns:a16="http://schemas.microsoft.com/office/drawing/2014/main" id="{FE10EBD6-C3CA-46A6-A5A5-56D48578A4C5}"/>
+              </a:ext>
+            </a:extLst>
+          </p:cNvPr>
+          <p:cNvSpPr txBox="1"/>
+          <p:nvPr/>
+        </p:nvSpPr>
+        <p:spPr>
+          <a:xfrm rot="10800000">
+            <a:off x="5664958" y="1997893"/>
+            <a:ext cx="461665" cy="1303097"/>
+          </a:xfrm>
+          <a:prstGeom prst="rect">
+            <a:avLst/>
+          </a:prstGeom>
+          <a:noFill/>
+        </p:spPr>
+        <p:txBody>
+          <a:bodyPr vert="eaVert" wrap="square" rtlCol="0">
+            <a:spAutoFit/>
+          </a:bodyPr>
+          <a:lstStyle/>
+          <a:p>
+            <a:pPr algn="ctr"/>
+            <a:r>
+              <a:rPr lang="en-US" dirty="0"/>
+              <a:t>Quantity</a:t>
+            </a:r>
+          </a:p>
+        </p:txBody>
+      </p:sp>
+      <p:sp>
+        <p:nvSpPr>
+          <p:cNvPr id="15" name="テキスト ボックス 14">
+            <a:extLst>
+              <a:ext uri="{FF2B5EF4-FFF2-40B4-BE49-F238E27FC236}">
+                <a16:creationId xmlns:a16="http://schemas.microsoft.com/office/drawing/2014/main" id="{B911F9ED-AB46-4FE2-A980-A1B1E9410CDC}"/>
+              </a:ext>
+            </a:extLst>
+          </p:cNvPr>
+          <p:cNvSpPr txBox="1"/>
+          <p:nvPr/>
+        </p:nvSpPr>
+        <p:spPr>
+          <a:xfrm>
+            <a:off x="6625113" y="5475394"/>
+            <a:ext cx="5028249" cy="707886"/>
+          </a:xfrm>
+          <a:prstGeom prst="rect">
+            <a:avLst/>
+          </a:prstGeom>
+          <a:noFill/>
+        </p:spPr>
+        <p:txBody>
+          <a:bodyPr wrap="square">
+            <a:spAutoFit/>
+          </a:bodyPr>
+          <a:lstStyle/>
+          <a:p>
+            <a:pPr algn="ctr"/>
             <a:r>
               <a:rPr lang="en-US" sz="2000" dirty="0"/>
-              <a:t>Create HTML with connection to python apps to generate Tesla Scraper to display all the data</a:t>
+              <a:t>Created bar chart by converting </a:t>
+            </a:r>
+            <a:r>
+              <a:rPr lang="en-US" sz="2000" dirty="0" err="1"/>
+              <a:t>matplotlib.pyplot</a:t>
+            </a:r>
+            <a:r>
+              <a:rPr lang="en-US" sz="2000" dirty="0"/>
+              <a:t> to </a:t>
+            </a:r>
+            <a:r>
+              <a:rPr lang="en-US" sz="2000" dirty="0" err="1"/>
+              <a:t>plotly.graph_object</a:t>
+            </a:r>
+            <a:r>
+              <a:rPr lang="en-US" sz="2000" dirty="0"/>
+              <a:t> </a:t>
             </a:r>
           </a:p>
         </p:txBody>
@@ -4579,7 +4811,7 @@
     </p:spTree>
     <p:extLst>
       <p:ext uri="{BB962C8B-B14F-4D97-AF65-F5344CB8AC3E}">
-        <p14:creationId xmlns:p14="http://schemas.microsoft.com/office/powerpoint/2010/main" val="1504505474"/>
+        <p14:creationId xmlns:p14="http://schemas.microsoft.com/office/powerpoint/2010/main" val="2769325422"/>
       </p:ext>
     </p:extLst>
   </p:cSld>
@@ -4606,156 +4838,12 @@
           <a:chExt cx="0" cy="0"/>
         </a:xfrm>
       </p:grpSpPr>
-      <p:sp>
-        <p:nvSpPr>
-          <p:cNvPr id="7" name="テキスト ボックス 6">
-            <a:extLst>
-              <a:ext uri="{FF2B5EF4-FFF2-40B4-BE49-F238E27FC236}">
-                <a16:creationId xmlns:a16="http://schemas.microsoft.com/office/drawing/2014/main" id="{5B694CEB-7674-45B1-8B4B-AAAB3790B790}"/>
-              </a:ext>
-            </a:extLst>
-          </p:cNvPr>
-          <p:cNvSpPr txBox="1"/>
-          <p:nvPr/>
-        </p:nvSpPr>
-        <p:spPr>
-          <a:xfrm>
-            <a:off x="771525" y="391180"/>
-            <a:ext cx="4848226" cy="830997"/>
-          </a:xfrm>
-          <a:prstGeom prst="rect">
-            <a:avLst/>
-          </a:prstGeom>
-          <a:noFill/>
-        </p:spPr>
-        <p:txBody>
-          <a:bodyPr wrap="square">
-            <a:spAutoFit/>
-          </a:bodyPr>
-          <a:lstStyle/>
-          <a:p>
-            <a:r>
-              <a:rPr lang="en-US" sz="4800" b="1" i="0" dirty="0">
-                <a:solidFill>
-                  <a:srgbClr val="C9D1D9"/>
-                </a:solidFill>
-                <a:effectLst/>
-                <a:latin typeface="-apple-system"/>
-              </a:rPr>
-              <a:t>Data Source</a:t>
-            </a:r>
-          </a:p>
-        </p:txBody>
-      </p:sp>
-      <p:sp>
-        <p:nvSpPr>
-          <p:cNvPr id="9" name="テキスト ボックス 8">
-            <a:extLst>
-              <a:ext uri="{FF2B5EF4-FFF2-40B4-BE49-F238E27FC236}">
-                <a16:creationId xmlns:a16="http://schemas.microsoft.com/office/drawing/2014/main" id="{7F7ED4DF-2C84-4401-92DC-BC9C247DAAA2}"/>
-              </a:ext>
-            </a:extLst>
-          </p:cNvPr>
-          <p:cNvSpPr txBox="1"/>
-          <p:nvPr/>
-        </p:nvSpPr>
-        <p:spPr>
-          <a:xfrm>
-            <a:off x="771525" y="1320701"/>
-            <a:ext cx="10220325" cy="3416320"/>
-          </a:xfrm>
-          <a:prstGeom prst="rect">
-            <a:avLst/>
-          </a:prstGeom>
-          <a:noFill/>
-        </p:spPr>
-        <p:txBody>
-          <a:bodyPr wrap="square">
-            <a:spAutoFit/>
-          </a:bodyPr>
-          <a:lstStyle/>
-          <a:p>
-            <a:r>
-              <a:rPr lang="en-US" b="1" dirty="0">
-                <a:solidFill>
-                  <a:srgbClr val="00B0F0"/>
-                </a:solidFill>
-              </a:rPr>
-              <a:t>The National Renewable Energy Laboratory </a:t>
-            </a:r>
-            <a:r>
-              <a:rPr lang="en-US" dirty="0"/>
-              <a:t>https://developer.nrel.gov/docs/transportation/alt-fuel-stations-v1/all/</a:t>
-            </a:r>
-          </a:p>
-          <a:p>
-            <a:endParaRPr lang="en-US" dirty="0"/>
-          </a:p>
-          <a:p>
-            <a:r>
-              <a:rPr lang="en-US" b="1" dirty="0">
-                <a:solidFill>
-                  <a:srgbClr val="00B0F0"/>
-                </a:solidFill>
-              </a:rPr>
-              <a:t>Alternative Fuels Data Center</a:t>
-            </a:r>
-          </a:p>
-          <a:p>
-            <a:r>
-              <a:rPr lang="en-US" dirty="0"/>
-              <a:t>https://afdc.energy.gov/data/search?q=electricity</a:t>
-            </a:r>
-          </a:p>
-          <a:p>
-            <a:endParaRPr lang="en-US" dirty="0"/>
-          </a:p>
-          <a:p>
-            <a:r>
-              <a:rPr lang="en-US" b="1" dirty="0">
-                <a:solidFill>
-                  <a:srgbClr val="00B0F0"/>
-                </a:solidFill>
-              </a:rPr>
-              <a:t>California Energy Commission</a:t>
-            </a:r>
-          </a:p>
-          <a:p>
-            <a:r>
-              <a:rPr lang="en-US" dirty="0"/>
-              <a:t>https://www.energy.ca.gov/files/zev-and-infrastructure-stats-data</a:t>
-            </a:r>
-          </a:p>
-          <a:p>
-            <a:endParaRPr lang="en-US" dirty="0"/>
-          </a:p>
-          <a:p>
-            <a:r>
-              <a:rPr lang="en-US" b="1" dirty="0">
-                <a:solidFill>
-                  <a:srgbClr val="00B0F0"/>
-                </a:solidFill>
-              </a:rPr>
-              <a:t>Carvana</a:t>
-            </a:r>
-          </a:p>
-          <a:p>
-            <a:r>
-              <a:rPr lang="en-US" dirty="0"/>
-              <a:t>https://www.carvana.com/cars/tesla</a:t>
-            </a:r>
-          </a:p>
-          <a:p>
-            <a:endParaRPr lang="en-US" dirty="0"/>
-          </a:p>
-        </p:txBody>
-      </p:sp>
       <p:pic>
         <p:nvPicPr>
-          <p:cNvPr id="11" name="図 10">
-            <a:extLst>
-              <a:ext uri="{FF2B5EF4-FFF2-40B4-BE49-F238E27FC236}">
-                <a16:creationId xmlns:a16="http://schemas.microsoft.com/office/drawing/2014/main" id="{57A3045F-7C1A-4F64-9A75-9A8281D15041}"/>
+          <p:cNvPr id="3" name="図 2">
+            <a:extLst>
+              <a:ext uri="{FF2B5EF4-FFF2-40B4-BE49-F238E27FC236}">
+                <a16:creationId xmlns:a16="http://schemas.microsoft.com/office/drawing/2014/main" id="{5CDB8968-3BA1-499E-A180-876D8391ECC5}"/>
               </a:ext>
             </a:extLst>
           </p:cNvPr>
@@ -4766,13 +4854,13 @@
         </p:nvPicPr>
         <p:blipFill rotWithShape="1">
           <a:blip r:embed="rId2"/>
-          <a:srcRect l="3985" t="51375" r="49453" b="35000"/>
+          <a:srcRect l="9001" t="26074" r="36915" b="16000"/>
           <a:stretch/>
         </p:blipFill>
         <p:spPr>
           <a:xfrm>
-            <a:off x="771525" y="4618613"/>
-            <a:ext cx="10307460" cy="1696579"/>
+            <a:off x="944880" y="325629"/>
+            <a:ext cx="10302240" cy="6206742"/>
           </a:xfrm>
           <a:prstGeom prst="rect">
             <a:avLst/>
@@ -4859,8 +4947,8 @@
         </p:nvSpPr>
         <p:spPr>
           <a:xfrm>
-            <a:off x="0" y="2461887"/>
-            <a:ext cx="4695825" cy="1077218"/>
+            <a:off x="-1" y="623562"/>
+            <a:ext cx="6600825" cy="584775"/>
           </a:xfrm>
           <a:prstGeom prst="rect">
             <a:avLst/>
@@ -4884,27 +4972,7 @@
                 <a:effectLst/>
                 <a:latin typeface="-apple-system"/>
               </a:rPr>
-              <a:t>Leaflet (</a:t>
-            </a:r>
-            <a:r>
-              <a:rPr lang="en-US" sz="3200" b="1" i="0" dirty="0" err="1">
-                <a:solidFill>
-                  <a:schemeClr val="bg1"/>
-                </a:solidFill>
-                <a:effectLst/>
-                <a:latin typeface="-apple-system"/>
-              </a:rPr>
-              <a:t>Javascript</a:t>
-            </a:r>
-            <a:r>
-              <a:rPr lang="en-US" sz="3200" b="1" i="0" dirty="0">
-                <a:solidFill>
-                  <a:schemeClr val="bg1"/>
-                </a:solidFill>
-                <a:effectLst/>
-                <a:latin typeface="-apple-system"/>
-              </a:rPr>
-              <a:t>) Interactive Map/Chart</a:t>
+              <a:t>Extract, Transform, Load (ETL) Phase</a:t>
             </a:r>
           </a:p>
         </p:txBody>
@@ -4912,7 +4980,7 @@
     </p:spTree>
     <p:extLst>
       <p:ext uri="{BB962C8B-B14F-4D97-AF65-F5344CB8AC3E}">
-        <p14:creationId xmlns:p14="http://schemas.microsoft.com/office/powerpoint/2010/main" val="1041849307"/>
+        <p14:creationId xmlns:p14="http://schemas.microsoft.com/office/powerpoint/2010/main" val="648307334"/>
       </p:ext>
     </p:extLst>
   </p:cSld>
@@ -5265,8 +5333,8 @@
         </p:blipFill>
         <p:spPr>
           <a:xfrm>
-            <a:off x="1915898" y="1030151"/>
-            <a:ext cx="8813682" cy="5288209"/>
+            <a:off x="1202833" y="1030151"/>
+            <a:ext cx="9073680" cy="5444208"/>
           </a:xfrm>
           <a:prstGeom prst="rect">
             <a:avLst/>
@@ -5448,10 +5516,10 @@
       </p:grpSpPr>
       <p:pic>
         <p:nvPicPr>
-          <p:cNvPr id="4" name="図 3" descr="テキスト&#10;&#10;低い精度で自動的に生成された説明">
-            <a:extLst>
-              <a:ext uri="{FF2B5EF4-FFF2-40B4-BE49-F238E27FC236}">
-                <a16:creationId xmlns:a16="http://schemas.microsoft.com/office/drawing/2014/main" id="{1F7E9CFE-0E97-44D9-8671-892E0F98AA07}"/>
+          <p:cNvPr id="5" name="図 4">
+            <a:extLst>
+              <a:ext uri="{FF2B5EF4-FFF2-40B4-BE49-F238E27FC236}">
+                <a16:creationId xmlns:a16="http://schemas.microsoft.com/office/drawing/2014/main" id="{99F2DBA8-EEEB-4891-8045-FB922BA52F9C}"/>
               </a:ext>
             </a:extLst>
           </p:cNvPr>
@@ -5460,51 +5528,71 @@
           </p:cNvPicPr>
           <p:nvPr/>
         </p:nvPicPr>
-        <p:blipFill>
-          <a:blip r:embed="rId2">
-            <a:extLst>
-              <a:ext uri="{28A0092B-C50C-407E-A947-70E740481C1C}">
-                <a14:useLocalDpi xmlns:a14="http://schemas.microsoft.com/office/drawing/2010/main" val="0"/>
-              </a:ext>
-            </a:extLst>
-          </a:blip>
-          <a:stretch>
-            <a:fillRect/>
-          </a:stretch>
+        <p:blipFill rotWithShape="1">
+          <a:blip r:embed="rId2"/>
+          <a:srcRect l="18250" t="25185" r="47500" b="37333"/>
+          <a:stretch/>
         </p:blipFill>
         <p:spPr>
           <a:xfrm>
-            <a:off x="0" y="0"/>
-            <a:ext cx="12192000" cy="6858000"/>
+            <a:off x="5798187" y="2381885"/>
+            <a:ext cx="4175760" cy="2570480"/>
           </a:xfrm>
           <a:prstGeom prst="rect">
             <a:avLst/>
           </a:prstGeom>
         </p:spPr>
       </p:pic>
-      <p:sp>
-        <p:nvSpPr>
-          <p:cNvPr id="7" name="テキスト ボックス 6">
-            <a:extLst>
-              <a:ext uri="{FF2B5EF4-FFF2-40B4-BE49-F238E27FC236}">
-                <a16:creationId xmlns:a16="http://schemas.microsoft.com/office/drawing/2014/main" id="{C493D32F-DE1E-45CB-BAF6-2CF2A0D4A576}"/>
-              </a:ext>
-            </a:extLst>
-          </p:cNvPr>
-          <p:cNvSpPr txBox="1"/>
+      <p:pic>
+        <p:nvPicPr>
+          <p:cNvPr id="7" name="図 6">
+            <a:extLst>
+              <a:ext uri="{FF2B5EF4-FFF2-40B4-BE49-F238E27FC236}">
+                <a16:creationId xmlns:a16="http://schemas.microsoft.com/office/drawing/2014/main" id="{932DCFB7-9B37-4728-AC27-2EC42D8FD162}"/>
+              </a:ext>
+            </a:extLst>
+          </p:cNvPr>
+          <p:cNvPicPr>
+            <a:picLocks noChangeAspect="1"/>
+          </p:cNvPicPr>
           <p:nvPr/>
-        </p:nvSpPr>
+        </p:nvPicPr>
+        <p:blipFill rotWithShape="1">
+          <a:blip r:embed="rId3"/>
+          <a:srcRect l="20250" t="21926" r="46083" b="22222"/>
+          <a:stretch/>
+        </p:blipFill>
         <p:spPr>
           <a:xfrm>
-            <a:off x="0" y="2766687"/>
-            <a:ext cx="4972050" cy="584775"/>
+            <a:off x="1279523" y="2381885"/>
+            <a:ext cx="4104640" cy="3830320"/>
           </a:xfrm>
           <a:prstGeom prst="rect">
             <a:avLst/>
           </a:prstGeom>
-          <a:solidFill>
-            <a:schemeClr val="tx1"/>
-          </a:solidFill>
+        </p:spPr>
+      </p:pic>
+      <p:sp>
+        <p:nvSpPr>
+          <p:cNvPr id="10" name="テキスト ボックス 9">
+            <a:extLst>
+              <a:ext uri="{FF2B5EF4-FFF2-40B4-BE49-F238E27FC236}">
+                <a16:creationId xmlns:a16="http://schemas.microsoft.com/office/drawing/2014/main" id="{8EF0F0CC-607A-47A2-8FEC-CCFA1AC4356D}"/>
+              </a:ext>
+            </a:extLst>
+          </p:cNvPr>
+          <p:cNvSpPr txBox="1"/>
+          <p:nvPr/>
+        </p:nvSpPr>
+        <p:spPr>
+          <a:xfrm>
+            <a:off x="570548" y="523875"/>
+            <a:ext cx="11203622" cy="1538883"/>
+          </a:xfrm>
+          <a:prstGeom prst="rect">
+            <a:avLst/>
+          </a:prstGeom>
+          <a:noFill/>
         </p:spPr>
         <p:txBody>
           <a:bodyPr wrap="square">
@@ -5513,20 +5601,98 @@
           <a:lstStyle/>
           <a:p>
             <a:r>
-              <a:rPr lang="en-US" sz="3200" dirty="0">
+              <a:rPr lang="en-US" dirty="0"/>
+              <a:t>Using Splinter, get information of Tesla models by web-scraping off of Carvana site. Created functions as below.</a:t>
+            </a:r>
+          </a:p>
+          <a:p>
+            <a:r>
+              <a:rPr lang="en-US" sz="2000" b="1" dirty="0" err="1">
                 <a:solidFill>
-                  <a:schemeClr val="bg1"/>
+                  <a:schemeClr val="accent1"/>
                 </a:solidFill>
               </a:rPr>
-              <a:t>Flask app and Web-scraping</a:t>
-            </a:r>
+              <a:t>scrape_page</a:t>
+            </a:r>
+            <a:r>
+              <a:rPr lang="en-US" sz="2000" b="1" dirty="0">
+                <a:solidFill>
+                  <a:schemeClr val="accent1"/>
+                </a:solidFill>
+              </a:rPr>
+              <a:t>(browser):</a:t>
+            </a:r>
+          </a:p>
+          <a:p>
+            <a:r>
+              <a:rPr lang="en-US" dirty="0"/>
+              <a:t>Using </a:t>
+            </a:r>
+            <a:r>
+              <a:rPr lang="en-US" dirty="0" err="1"/>
+              <a:t>BeautifulSoup</a:t>
+            </a:r>
+            <a:r>
+              <a:rPr lang="en-US" dirty="0"/>
+              <a:t> and ‘</a:t>
+            </a:r>
+            <a:r>
+              <a:rPr lang="en-US" dirty="0" err="1"/>
+              <a:t>find_all</a:t>
+            </a:r>
+            <a:r>
+              <a:rPr lang="en-US" dirty="0"/>
+              <a:t>’ function and for loop to extract the make, model, price, and images of </a:t>
+            </a:r>
+            <a:r>
+              <a:rPr lang="en-US" dirty="0" err="1"/>
+              <a:t>Teslas</a:t>
+            </a:r>
+            <a:endParaRPr lang="en-US" dirty="0"/>
+          </a:p>
+          <a:p>
+            <a:r>
+              <a:rPr lang="en-US" sz="2000" b="1" dirty="0" err="1">
+                <a:solidFill>
+                  <a:schemeClr val="accent1"/>
+                </a:solidFill>
+              </a:rPr>
+              <a:t>scrape_all</a:t>
+            </a:r>
+            <a:r>
+              <a:rPr lang="en-US" sz="2000" b="1" dirty="0">
+                <a:solidFill>
+                  <a:schemeClr val="accent1"/>
+                </a:solidFill>
+              </a:rPr>
+              <a:t>():</a:t>
+            </a:r>
+          </a:p>
+          <a:p>
+            <a:r>
+              <a:rPr lang="en-US" dirty="0"/>
+              <a:t>Further look into next page by ‘</a:t>
+            </a:r>
+            <a:r>
+              <a:rPr lang="en-US" dirty="0" err="1"/>
+              <a:t>find_by_text</a:t>
+            </a:r>
+            <a:r>
+              <a:rPr lang="en-US" dirty="0"/>
+              <a:t>’ and repeat </a:t>
+            </a:r>
+            <a:r>
+              <a:rPr lang="en-US" dirty="0" err="1"/>
+              <a:t>scrape_page</a:t>
+            </a:r>
+            <a:endParaRPr lang="en-US" dirty="0"/>
           </a:p>
         </p:txBody>
       </p:sp>
     </p:spTree>
     <p:extLst>
       <p:ext uri="{BB962C8B-B14F-4D97-AF65-F5344CB8AC3E}">
-        <p14:creationId xmlns:p14="http://schemas.microsoft.com/office/powerpoint/2010/main" val="480435914"/>
+        <p14:creationId xmlns:p14="http://schemas.microsoft.com/office/powerpoint/2010/main" val="3613216594"/>
       </p:ext>
     </p:extLst>
   </p:cSld>
@@ -5555,10 +5721,10 @@
       </p:grpSpPr>
       <p:pic>
         <p:nvPicPr>
-          <p:cNvPr id="5" name="図 4">
-            <a:extLst>
-              <a:ext uri="{FF2B5EF4-FFF2-40B4-BE49-F238E27FC236}">
-                <a16:creationId xmlns:a16="http://schemas.microsoft.com/office/drawing/2014/main" id="{99F2DBA8-EEEB-4891-8045-FB922BA52F9C}"/>
+          <p:cNvPr id="3" name="図 2" descr="グラフィカル ユーザー インターフェイス, アプリケーション&#10;&#10;自動的に生成された説明">
+            <a:extLst>
+              <a:ext uri="{FF2B5EF4-FFF2-40B4-BE49-F238E27FC236}">
+                <a16:creationId xmlns:a16="http://schemas.microsoft.com/office/drawing/2014/main" id="{30D7187A-3E6C-4454-9399-5D74A565F50A}"/>
               </a:ext>
             </a:extLst>
           </p:cNvPr>
@@ -5567,15 +5733,22 @@
           </p:cNvPicPr>
           <p:nvPr/>
         </p:nvPicPr>
-        <p:blipFill rotWithShape="1">
-          <a:blip r:embed="rId2"/>
-          <a:srcRect l="18250" t="25185" r="47500" b="37333"/>
-          <a:stretch/>
+        <p:blipFill>
+          <a:blip r:embed="rId2">
+            <a:extLst>
+              <a:ext uri="{28A0092B-C50C-407E-A947-70E740481C1C}">
+                <a14:useLocalDpi xmlns:a14="http://schemas.microsoft.com/office/drawing/2010/main" val="0"/>
+              </a:ext>
+            </a:extLst>
+          </a:blip>
+          <a:stretch>
+            <a:fillRect/>
+          </a:stretch>
         </p:blipFill>
         <p:spPr>
           <a:xfrm>
-            <a:off x="5634357" y="2951480"/>
-            <a:ext cx="4175760" cy="2570480"/>
+            <a:off x="4498975" y="1836420"/>
+            <a:ext cx="7376728" cy="4172446"/>
           </a:xfrm>
           <a:prstGeom prst="rect">
             <a:avLst/>
@@ -5584,10 +5757,10 @@
       </p:pic>
       <p:pic>
         <p:nvPicPr>
-          <p:cNvPr id="7" name="図 6">
-            <a:extLst>
-              <a:ext uri="{FF2B5EF4-FFF2-40B4-BE49-F238E27FC236}">
-                <a16:creationId xmlns:a16="http://schemas.microsoft.com/office/drawing/2014/main" id="{932DCFB7-9B37-4728-AC27-2EC42D8FD162}"/>
+          <p:cNvPr id="5" name="図 4">
+            <a:extLst>
+              <a:ext uri="{FF2B5EF4-FFF2-40B4-BE49-F238E27FC236}">
+                <a16:creationId xmlns:a16="http://schemas.microsoft.com/office/drawing/2014/main" id="{1548FED5-4B9A-4947-82DA-8A8E7D9163B2}"/>
               </a:ext>
             </a:extLst>
           </p:cNvPr>
@@ -5598,13 +5771,13 @@
         </p:nvPicPr>
         <p:blipFill rotWithShape="1">
           <a:blip r:embed="rId3"/>
-          <a:srcRect l="20250" t="21926" r="46083" b="22222"/>
+          <a:srcRect l="18083" t="12000" r="42750" b="16000"/>
           <a:stretch/>
         </p:blipFill>
         <p:spPr>
           <a:xfrm>
-            <a:off x="1296033" y="2951480"/>
-            <a:ext cx="4104640" cy="3830320"/>
+            <a:off x="316297" y="1836420"/>
+            <a:ext cx="4035082" cy="4172446"/>
           </a:xfrm>
           <a:prstGeom prst="rect">
             <a:avLst/>
@@ -5613,10 +5786,10 @@
       </p:pic>
       <p:sp>
         <p:nvSpPr>
-          <p:cNvPr id="10" name="テキスト ボックス 9">
-            <a:extLst>
-              <a:ext uri="{FF2B5EF4-FFF2-40B4-BE49-F238E27FC236}">
-                <a16:creationId xmlns:a16="http://schemas.microsoft.com/office/drawing/2014/main" id="{8EF0F0CC-607A-47A2-8FEC-CCFA1AC4356D}"/>
+          <p:cNvPr id="6" name="テキスト ボックス 5">
+            <a:extLst>
+              <a:ext uri="{FF2B5EF4-FFF2-40B4-BE49-F238E27FC236}">
+                <a16:creationId xmlns:a16="http://schemas.microsoft.com/office/drawing/2014/main" id="{7E04558B-555C-4D90-8A10-C6601F61F8CC}"/>
               </a:ext>
             </a:extLst>
           </p:cNvPr>
@@ -5625,8 +5798,8 @@
         </p:nvSpPr>
         <p:spPr>
           <a:xfrm>
-            <a:off x="397828" y="210482"/>
-            <a:ext cx="11203622" cy="2523768"/>
+            <a:off x="274003" y="649079"/>
+            <a:ext cx="11917997" cy="400110"/>
           </a:xfrm>
           <a:prstGeom prst="rect">
             <a:avLst/>
@@ -5640,115 +5813,45 @@
           <a:lstStyle/>
           <a:p>
             <a:r>
-              <a:rPr lang="en-US" sz="2800" b="1" dirty="0">
-                <a:solidFill>
-                  <a:schemeClr val="accent1">
-                    <a:lumMod val="75000"/>
-                  </a:schemeClr>
-                </a:solidFill>
-                <a:latin typeface="+mj-lt"/>
-              </a:rPr>
-              <a:t>scrape_tesla.py</a:t>
-            </a:r>
-          </a:p>
-          <a:p>
-            <a:r>
-              <a:rPr lang="en-US" dirty="0"/>
-              <a:t>Using Splinter, get information of Tesla models by web-scraping off of Carvana site. Created functions as below.</a:t>
-            </a:r>
-          </a:p>
-          <a:p>
-            <a:endParaRPr lang="en-US" dirty="0"/>
-          </a:p>
-          <a:p>
+              <a:rPr lang="en-US" sz="2000" dirty="0"/>
+              <a:t>Using </a:t>
+            </a:r>
+            <a:r>
+              <a:rPr lang="en-US" sz="2000" dirty="0" err="1"/>
+              <a:t>FlaskApp</a:t>
+            </a:r>
+            <a:r>
+              <a:rPr lang="en-US" sz="2000" dirty="0"/>
+              <a:t>/</a:t>
+            </a:r>
+            <a:r>
+              <a:rPr lang="en-US" sz="2000" dirty="0" err="1"/>
+              <a:t>PyMongo</a:t>
+            </a:r>
+            <a:r>
+              <a:rPr lang="en-US" sz="2000" dirty="0"/>
+              <a:t> to store extracted Tesla data and connect to a MongoDB database named </a:t>
+            </a:r>
             <a:r>
               <a:rPr lang="en-US" sz="2000" b="1" dirty="0" err="1">
                 <a:solidFill>
-                  <a:srgbClr val="FFC000"/>
+                  <a:schemeClr val="accent1"/>
                 </a:solidFill>
               </a:rPr>
-              <a:t>scrape_page</a:t>
-            </a:r>
-            <a:r>
-              <a:rPr lang="en-US" sz="2000" b="1" dirty="0">
-                <a:solidFill>
-                  <a:srgbClr val="FFC000"/>
-                </a:solidFill>
-              </a:rPr>
-              <a:t>(browser):</a:t>
-            </a:r>
-          </a:p>
-          <a:p>
-            <a:r>
-              <a:rPr lang="en-US" dirty="0"/>
-              <a:t>Using </a:t>
-            </a:r>
-            <a:r>
-              <a:rPr lang="en-US" dirty="0" err="1"/>
-              <a:t>BeautifulSoup</a:t>
-            </a:r>
-            <a:r>
-              <a:rPr lang="en-US" dirty="0"/>
-              <a:t> and ‘</a:t>
-            </a:r>
-            <a:r>
-              <a:rPr lang="en-US" dirty="0" err="1"/>
-              <a:t>find_all</a:t>
-            </a:r>
-            <a:r>
-              <a:rPr lang="en-US" dirty="0"/>
-              <a:t>’ function and for loop to extract the make, model, price, and images of each Tesla</a:t>
-            </a:r>
-          </a:p>
-          <a:p>
-            <a:endParaRPr lang="en-US" dirty="0"/>
-          </a:p>
-          <a:p>
-            <a:r>
-              <a:rPr lang="en-US" sz="2000" b="1" dirty="0" err="1">
-                <a:solidFill>
-                  <a:srgbClr val="FFC000"/>
-                </a:solidFill>
-              </a:rPr>
-              <a:t>scrape_all</a:t>
-            </a:r>
-            <a:r>
-              <a:rPr lang="en-US" sz="2000" b="1" dirty="0">
-                <a:solidFill>
-                  <a:srgbClr val="FFC000"/>
-                </a:solidFill>
-              </a:rPr>
-              <a:t>():</a:t>
-            </a:r>
-          </a:p>
-          <a:p>
-            <a:r>
-              <a:rPr lang="en-US" dirty="0"/>
-              <a:t>Further look into next page by ‘</a:t>
-            </a:r>
-            <a:r>
-              <a:rPr lang="en-US" dirty="0" err="1"/>
-              <a:t>find_by_text</a:t>
-            </a:r>
-            <a:r>
-              <a:rPr lang="en-US" dirty="0"/>
-              <a:t>’ and repeat </a:t>
-            </a:r>
-            <a:r>
-              <a:rPr lang="en-US" dirty="0" err="1"/>
-              <a:t>scrape_page</a:t>
-            </a:r>
-            <a:r>
-              <a:rPr lang="en-US" dirty="0"/>
-              <a:t>  </a:t>
-            </a:r>
+              <a:t>tesla_app</a:t>
+            </a:r>
+            <a:endParaRPr lang="en-US" sz="2000" b="1" dirty="0">
+              <a:solidFill>
+                <a:schemeClr val="accent1"/>
+              </a:solidFill>
+            </a:endParaRPr>
           </a:p>
         </p:txBody>
       </p:sp>
     </p:spTree>
     <p:extLst>
       <p:ext uri="{BB962C8B-B14F-4D97-AF65-F5344CB8AC3E}">
-        <p14:creationId xmlns:p14="http://schemas.microsoft.com/office/powerpoint/2010/main" val="3613216594"/>
+        <p14:creationId xmlns:p14="http://schemas.microsoft.com/office/powerpoint/2010/main" val="3761539756"/>
       </p:ext>
     </p:extLst>
   </p:cSld>
@@ -5777,10 +5880,10 @@
       </p:grpSpPr>
       <p:pic>
         <p:nvPicPr>
-          <p:cNvPr id="3" name="図 2" descr="グラフィカル ユーザー インターフェイス, アプリケーション&#10;&#10;自動的に生成された説明">
-            <a:extLst>
-              <a:ext uri="{FF2B5EF4-FFF2-40B4-BE49-F238E27FC236}">
-                <a16:creationId xmlns:a16="http://schemas.microsoft.com/office/drawing/2014/main" id="{30D7187A-3E6C-4454-9399-5D74A565F50A}"/>
+          <p:cNvPr id="3" name="図 2" descr="車のスクリーンショット&#10;&#10;自動的に生成された説明">
+            <a:extLst>
+              <a:ext uri="{FF2B5EF4-FFF2-40B4-BE49-F238E27FC236}">
+                <a16:creationId xmlns:a16="http://schemas.microsoft.com/office/drawing/2014/main" id="{20060590-8D4A-426E-9212-EC408919C453}"/>
               </a:ext>
             </a:extLst>
           </p:cNvPr>
@@ -5803,8 +5906,8 @@
         </p:blipFill>
         <p:spPr>
           <a:xfrm>
-            <a:off x="4498975" y="1836420"/>
-            <a:ext cx="7376728" cy="4172446"/>
+            <a:off x="581021" y="1671904"/>
+            <a:ext cx="9838055" cy="4682102"/>
           </a:xfrm>
           <a:prstGeom prst="rect">
             <a:avLst/>
@@ -5816,7 +5919,7 @@
           <p:cNvPr id="5" name="図 4">
             <a:extLst>
               <a:ext uri="{FF2B5EF4-FFF2-40B4-BE49-F238E27FC236}">
-                <a16:creationId xmlns:a16="http://schemas.microsoft.com/office/drawing/2014/main" id="{1548FED5-4B9A-4947-82DA-8A8E7D9163B2}"/>
+                <a16:creationId xmlns:a16="http://schemas.microsoft.com/office/drawing/2014/main" id="{9D6F438D-88E6-40A3-A346-DF86546B7BF1}"/>
               </a:ext>
             </a:extLst>
           </p:cNvPr>
@@ -5827,13 +5930,13 @@
         </p:nvPicPr>
         <p:blipFill rotWithShape="1">
           <a:blip r:embed="rId3"/>
-          <a:srcRect l="18083" t="12000" r="42750" b="16000"/>
+          <a:srcRect l="20250" t="42368" r="15584" b="22223"/>
           <a:stretch/>
         </p:blipFill>
         <p:spPr>
           <a:xfrm>
-            <a:off x="316297" y="1836420"/>
-            <a:ext cx="4035082" cy="4172446"/>
+            <a:off x="7191375" y="1671904"/>
+            <a:ext cx="4740044" cy="1471346"/>
           </a:xfrm>
           <a:prstGeom prst="rect">
             <a:avLst/>
@@ -5842,10 +5945,10 @@
       </p:pic>
       <p:sp>
         <p:nvSpPr>
-          <p:cNvPr id="6" name="テキスト ボックス 5">
-            <a:extLst>
-              <a:ext uri="{FF2B5EF4-FFF2-40B4-BE49-F238E27FC236}">
-                <a16:creationId xmlns:a16="http://schemas.microsoft.com/office/drawing/2014/main" id="{7E04558B-555C-4D90-8A10-C6601F61F8CC}"/>
+          <p:cNvPr id="7" name="テキスト ボックス 6">
+            <a:extLst>
+              <a:ext uri="{FF2B5EF4-FFF2-40B4-BE49-F238E27FC236}">
+                <a16:creationId xmlns:a16="http://schemas.microsoft.com/office/drawing/2014/main" id="{9C4A80B6-9756-49E7-9622-13485D12973C}"/>
               </a:ext>
             </a:extLst>
           </p:cNvPr>
@@ -5854,8 +5957,8 @@
         </p:nvSpPr>
         <p:spPr>
           <a:xfrm>
-            <a:off x="274003" y="191909"/>
-            <a:ext cx="11917997" cy="1138773"/>
+            <a:off x="666746" y="659744"/>
+            <a:ext cx="11029951" cy="400110"/>
           </a:xfrm>
           <a:prstGeom prst="rect">
             <a:avLst/>
@@ -5869,61 +5972,16 @@
           <a:lstStyle/>
           <a:p>
             <a:r>
-              <a:rPr lang="en-US" sz="2800" b="1" dirty="0">
-                <a:solidFill>
-                  <a:schemeClr val="accent1">
-                    <a:lumMod val="75000"/>
-                  </a:schemeClr>
-                </a:solidFill>
-                <a:latin typeface="+mj-lt"/>
-              </a:rPr>
-              <a:t>app.py</a:t>
-            </a:r>
-          </a:p>
-          <a:p>
-            <a:endParaRPr lang="en-US" sz="2000" dirty="0"/>
-          </a:p>
-          <a:p>
-            <a:r>
               <a:rPr lang="en-US" sz="2000" dirty="0"/>
-              <a:t>Using </a:t>
-            </a:r>
-            <a:r>
-              <a:rPr lang="en-US" sz="2000" dirty="0" err="1"/>
-              <a:t>FlaskApp</a:t>
-            </a:r>
-            <a:r>
-              <a:rPr lang="en-US" sz="2000" dirty="0"/>
-              <a:t>/</a:t>
-            </a:r>
-            <a:r>
-              <a:rPr lang="en-US" sz="2000" dirty="0" err="1"/>
-              <a:t>PyMongo</a:t>
-            </a:r>
-            <a:r>
-              <a:rPr lang="en-US" sz="2000" dirty="0"/>
-              <a:t> to store extracted Tesla data and connect to a MongoDB database named </a:t>
-            </a:r>
-            <a:r>
-              <a:rPr lang="en-US" sz="2000" b="1" dirty="0" err="1">
-                <a:solidFill>
-                  <a:schemeClr val="accent1"/>
-                </a:solidFill>
-              </a:rPr>
-              <a:t>tesla_app</a:t>
-            </a:r>
-            <a:endParaRPr lang="en-US" sz="2000" b="1" dirty="0">
-              <a:solidFill>
-                <a:schemeClr val="accent1"/>
-              </a:solidFill>
-            </a:endParaRPr>
+              <a:t>Create HTML with connection to python apps to generate Tesla Scraper to display all the data</a:t>
+            </a:r>
           </a:p>
         </p:txBody>
       </p:sp>
     </p:spTree>
     <p:extLst>
       <p:ext uri="{BB962C8B-B14F-4D97-AF65-F5344CB8AC3E}">
-        <p14:creationId xmlns:p14="http://schemas.microsoft.com/office/powerpoint/2010/main" val="3761539756"/>
+        <p14:creationId xmlns:p14="http://schemas.microsoft.com/office/powerpoint/2010/main" val="1504505474"/>
       </p:ext>
     </p:extLst>
   </p:cSld>

--- a/Presentation/legendary-system.pptx
+++ b/Presentation/legendary-system.pptx
@@ -4324,7 +4324,7 @@
         <p:spPr>
           <a:xfrm>
             <a:off x="758850" y="2538772"/>
-            <a:ext cx="11172825" cy="1169551"/>
+            <a:ext cx="11172825" cy="784830"/>
           </a:xfrm>
           <a:prstGeom prst="rect">
             <a:avLst/>
@@ -4380,6 +4380,15 @@
               </a:spcAft>
             </a:pPr>
             <a:r>
+              <a:rPr lang="en-US" sz="2000" b="1" dirty="0">
+                <a:solidFill>
+                  <a:srgbClr val="C9D1D9"/>
+                </a:solidFill>
+                <a:latin typeface="-apple-system"/>
+              </a:rPr>
+              <a:t>and current state of EV populations </a:t>
+            </a:r>
+            <a:r>
               <a:rPr lang="en-US" sz="2000" b="1" i="0" dirty="0">
                 <a:solidFill>
                   <a:srgbClr val="C9D1D9"/>
@@ -4387,44 +4396,7 @@
                 <a:effectLst/>
                 <a:latin typeface="-apple-system"/>
               </a:rPr>
-              <a:t>to navigate </a:t>
-            </a:r>
-            <a:r>
-              <a:rPr lang="en-US" sz="2000" b="1" i="0" dirty="0">
-                <a:solidFill>
-                  <a:schemeClr val="accent1"/>
-                </a:solidFill>
-                <a:effectLst/>
-                <a:latin typeface="-apple-system"/>
-              </a:rPr>
-              <a:t>best locations</a:t>
-            </a:r>
-            <a:r>
-              <a:rPr lang="en-US" sz="2000" b="1" i="0" dirty="0">
-                <a:solidFill>
-                  <a:srgbClr val="C9D1D9"/>
-                </a:solidFill>
-                <a:effectLst/>
-                <a:latin typeface="-apple-system"/>
-              </a:rPr>
-              <a:t> to implement supercharger stations </a:t>
-            </a:r>
-          </a:p>
-          <a:p>
-            <a:pPr algn="r">
-              <a:spcAft>
-                <a:spcPts val="600"/>
-              </a:spcAft>
-            </a:pPr>
-            <a:r>
-              <a:rPr lang="en-US" sz="2000" b="1" i="0" dirty="0">
-                <a:solidFill>
-                  <a:srgbClr val="C9D1D9"/>
-                </a:solidFill>
-                <a:effectLst/>
-                <a:latin typeface="-apple-system"/>
-              </a:rPr>
-              <a:t>based on current saturations and EV populations.</a:t>
+              <a:t>and latest Tesla models </a:t>
             </a:r>
             <a:endParaRPr lang="en-US" sz="2000" b="1" dirty="0"/>
           </a:p>
